--- a/slides/07_Parallel.pptx
+++ b/slides/07_Parallel.pptx
@@ -7,6 +7,7 @@
   <p:sldIdLst>
     <p:sldId id="256" r:id="rId2"/>
     <p:sldId id="257" r:id="rId3"/>
+    <p:sldId id="258" r:id="rId4"/>
   </p:sldIdLst>
   <p:sldSz cx="12192000" cy="6858000"/>
   <p:notesSz cx="6858000" cy="9144000"/>
@@ -105,6 +106,11 @@
       </a:defRPr>
     </a:lvl9pPr>
   </p:defaultTextStyle>
+  <p:extLst>
+    <p:ext uri="{EFAFB233-063F-42B5-8137-9DF3F51BA10A}">
+      <p15:sldGuideLst xmlns:p15="http://schemas.microsoft.com/office/powerpoint/2012/main"/>
+    </p:ext>
+  </p:extLst>
 </p:presentation>
 </file>
 
@@ -255,7 +261,7 @@
           <a:p>
             <a:fld id="{6430BB5B-43BB-D347-9F52-8F7D68711AD7}" type="datetimeFigureOut">
               <a:rPr lang="en-US" smtClean="0"/>
-              <a:t>10/11/23</a:t>
+              <a:t>10/12/23</a:t>
             </a:fld>
             <a:endParaRPr lang="en-US"/>
           </a:p>
@@ -453,7 +459,7 @@
           <a:p>
             <a:fld id="{6430BB5B-43BB-D347-9F52-8F7D68711AD7}" type="datetimeFigureOut">
               <a:rPr lang="en-US" smtClean="0"/>
-              <a:t>10/11/23</a:t>
+              <a:t>10/12/23</a:t>
             </a:fld>
             <a:endParaRPr lang="en-US"/>
           </a:p>
@@ -661,7 +667,7 @@
           <a:p>
             <a:fld id="{6430BB5B-43BB-D347-9F52-8F7D68711AD7}" type="datetimeFigureOut">
               <a:rPr lang="en-US" smtClean="0"/>
-              <a:t>10/11/23</a:t>
+              <a:t>10/12/23</a:t>
             </a:fld>
             <a:endParaRPr lang="en-US"/>
           </a:p>
@@ -859,7 +865,7 @@
           <a:p>
             <a:fld id="{6430BB5B-43BB-D347-9F52-8F7D68711AD7}" type="datetimeFigureOut">
               <a:rPr lang="en-US" smtClean="0"/>
-              <a:t>10/11/23</a:t>
+              <a:t>10/12/23</a:t>
             </a:fld>
             <a:endParaRPr lang="en-US"/>
           </a:p>
@@ -1134,7 +1140,7 @@
           <a:p>
             <a:fld id="{6430BB5B-43BB-D347-9F52-8F7D68711AD7}" type="datetimeFigureOut">
               <a:rPr lang="en-US" smtClean="0"/>
-              <a:t>10/11/23</a:t>
+              <a:t>10/12/23</a:t>
             </a:fld>
             <a:endParaRPr lang="en-US"/>
           </a:p>
@@ -1399,7 +1405,7 @@
           <a:p>
             <a:fld id="{6430BB5B-43BB-D347-9F52-8F7D68711AD7}" type="datetimeFigureOut">
               <a:rPr lang="en-US" smtClean="0"/>
-              <a:t>10/11/23</a:t>
+              <a:t>10/12/23</a:t>
             </a:fld>
             <a:endParaRPr lang="en-US"/>
           </a:p>
@@ -1811,7 +1817,7 @@
           <a:p>
             <a:fld id="{6430BB5B-43BB-D347-9F52-8F7D68711AD7}" type="datetimeFigureOut">
               <a:rPr lang="en-US" smtClean="0"/>
-              <a:t>10/11/23</a:t>
+              <a:t>10/12/23</a:t>
             </a:fld>
             <a:endParaRPr lang="en-US"/>
           </a:p>
@@ -1952,7 +1958,7 @@
           <a:p>
             <a:fld id="{6430BB5B-43BB-D347-9F52-8F7D68711AD7}" type="datetimeFigureOut">
               <a:rPr lang="en-US" smtClean="0"/>
-              <a:t>10/11/23</a:t>
+              <a:t>10/12/23</a:t>
             </a:fld>
             <a:endParaRPr lang="en-US"/>
           </a:p>
@@ -2065,7 +2071,7 @@
           <a:p>
             <a:fld id="{6430BB5B-43BB-D347-9F52-8F7D68711AD7}" type="datetimeFigureOut">
               <a:rPr lang="en-US" smtClean="0"/>
-              <a:t>10/11/23</a:t>
+              <a:t>10/12/23</a:t>
             </a:fld>
             <a:endParaRPr lang="en-US"/>
           </a:p>
@@ -2376,7 +2382,7 @@
           <a:p>
             <a:fld id="{6430BB5B-43BB-D347-9F52-8F7D68711AD7}" type="datetimeFigureOut">
               <a:rPr lang="en-US" smtClean="0"/>
-              <a:t>10/11/23</a:t>
+              <a:t>10/12/23</a:t>
             </a:fld>
             <a:endParaRPr lang="en-US"/>
           </a:p>
@@ -2664,7 +2670,7 @@
           <a:p>
             <a:fld id="{6430BB5B-43BB-D347-9F52-8F7D68711AD7}" type="datetimeFigureOut">
               <a:rPr lang="en-US" smtClean="0"/>
-              <a:t>10/11/23</a:t>
+              <a:t>10/12/23</a:t>
             </a:fld>
             <a:endParaRPr lang="en-US"/>
           </a:p>
@@ -2905,7 +2911,7 @@
           <a:p>
             <a:fld id="{6430BB5B-43BB-D347-9F52-8F7D68711AD7}" type="datetimeFigureOut">
               <a:rPr lang="en-US" smtClean="0"/>
-              <a:t>10/11/23</a:t>
+              <a:t>10/12/23</a:t>
             </a:fld>
             <a:endParaRPr lang="en-US"/>
           </a:p>
@@ -3507,13 +3513,41 @@
         <p:spPr/>
         <p:txBody>
           <a:bodyPr>
-            <a:normAutofit fontScale="92500" lnSpcReduction="20000"/>
+            <a:normAutofit fontScale="62500" lnSpcReduction="20000"/>
           </a:bodyPr>
           <a:lstStyle/>
           <a:p>
             <a:r>
               <a:rPr lang="en-US" dirty="0"/>
-              <a:t>7 minute individual presentation on a topic of your choice</a:t>
+              <a:t>7-minute individual presentation on a topic of your choice</a:t>
+            </a:r>
+          </a:p>
+          <a:p>
+            <a:r>
+              <a:rPr lang="en-US" dirty="0"/>
+              <a:t>November 16</a:t>
+            </a:r>
+            <a:r>
+              <a:rPr lang="en-US" baseline="30000" dirty="0"/>
+              <a:t>th</a:t>
+            </a:r>
+            <a:r>
+              <a:rPr lang="en-US" dirty="0"/>
+              <a:t> and 30</a:t>
+            </a:r>
+            <a:r>
+              <a:rPr lang="en-US" baseline="30000" dirty="0"/>
+              <a:t>th</a:t>
+            </a:r>
+            <a:r>
+              <a:rPr lang="en-US" dirty="0"/>
+              <a:t> </a:t>
+            </a:r>
+          </a:p>
+          <a:p>
+            <a:r>
+              <a:rPr lang="en-US" dirty="0"/>
+              <a:t>15% of final grade</a:t>
             </a:r>
           </a:p>
           <a:p>
@@ -3573,7 +3607,7 @@
                 </a:solidFill>
                 <a:effectLst/>
               </a:rPr>
-              <a:t>More debugging (so far we have only covered </a:t>
+              <a:t>More debugging (so far, we have only covered </a:t>
             </a:r>
             <a:r>
               <a:rPr lang="en-US" b="0" i="0" dirty="0">
@@ -3629,7 +3663,7 @@
                 </a:solidFill>
                 <a:effectLst/>
               </a:rPr>
-              <a:t>Object-oriented programming</a:t>
+              <a:t>Object-oriented programming (S3/S4)</a:t>
             </a:r>
           </a:p>
           <a:p>
@@ -3702,6 +3736,43 @@
           </a:p>
           <a:p>
             <a:pPr lvl="1"/>
+            <a:r>
+              <a:rPr lang="en-US" dirty="0">
+                <a:solidFill>
+                  <a:srgbClr val="222222"/>
+                </a:solidFill>
+              </a:rPr>
+              <a:t>Package of your choice (relevant to your research)</a:t>
+            </a:r>
+          </a:p>
+          <a:p>
+            <a:r>
+              <a:rPr lang="en-US" b="0" i="0" dirty="0">
+                <a:solidFill>
+                  <a:srgbClr val="222222"/>
+                </a:solidFill>
+                <a:effectLst/>
+              </a:rPr>
+              <a:t>Google </a:t>
+            </a:r>
+            <a:r>
+              <a:rPr lang="en-US" b="0" i="0">
+                <a:solidFill>
+                  <a:srgbClr val="222222"/>
+                </a:solidFill>
+                <a:effectLst/>
+              </a:rPr>
+              <a:t>doc shared doc</a:t>
+            </a:r>
+            <a:endParaRPr lang="en-US" b="0" i="0" dirty="0">
+              <a:solidFill>
+                <a:srgbClr val="222222"/>
+              </a:solidFill>
+              <a:effectLst/>
+            </a:endParaRPr>
+          </a:p>
+          <a:p>
+            <a:pPr lvl="1"/>
             <a:endParaRPr lang="en-US" dirty="0"/>
           </a:p>
         </p:txBody>
@@ -3710,6 +3781,744 @@
     <p:extLst>
       <p:ext uri="{BB962C8B-B14F-4D97-AF65-F5344CB8AC3E}">
         <p14:creationId xmlns:p14="http://schemas.microsoft.com/office/powerpoint/2010/main" val="1911699179"/>
+      </p:ext>
+    </p:extLst>
+  </p:cSld>
+  <p:clrMapOvr>
+    <a:masterClrMapping/>
+  </p:clrMapOvr>
+  <p:timing>
+    <p:tnLst>
+      <p:par>
+        <p:cTn id="1" dur="indefinite" restart="never" nodeType="tmRoot">
+          <p:childTnLst>
+            <p:seq concurrent="1" nextAc="seek">
+              <p:cTn id="2" dur="indefinite" nodeType="mainSeq">
+                <p:childTnLst>
+                  <p:par>
+                    <p:cTn id="3" fill="hold">
+                      <p:stCondLst>
+                        <p:cond delay="indefinite"/>
+                      </p:stCondLst>
+                      <p:childTnLst>
+                        <p:par>
+                          <p:cTn id="4" fill="hold">
+                            <p:stCondLst>
+                              <p:cond delay="0"/>
+                            </p:stCondLst>
+                            <p:childTnLst>
+                              <p:par>
+                                <p:cTn id="5" presetID="1" presetClass="entr" presetSubtype="0" fill="hold" grpId="0" nodeType="clickEffect">
+                                  <p:stCondLst>
+                                    <p:cond delay="0"/>
+                                  </p:stCondLst>
+                                  <p:childTnLst>
+                                    <p:set>
+                                      <p:cBhvr>
+                                        <p:cTn id="6" dur="1" fill="hold">
+                                          <p:stCondLst>
+                                            <p:cond delay="0"/>
+                                          </p:stCondLst>
+                                        </p:cTn>
+                                        <p:tgtEl>
+                                          <p:spTgt spid="3">
+                                            <p:txEl>
+                                              <p:pRg st="0" end="0"/>
+                                            </p:txEl>
+                                          </p:spTgt>
+                                        </p:tgtEl>
+                                        <p:attrNameLst>
+                                          <p:attrName>style.visibility</p:attrName>
+                                        </p:attrNameLst>
+                                      </p:cBhvr>
+                                      <p:to>
+                                        <p:strVal val="visible"/>
+                                      </p:to>
+                                    </p:set>
+                                  </p:childTnLst>
+                                </p:cTn>
+                              </p:par>
+                            </p:childTnLst>
+                          </p:cTn>
+                        </p:par>
+                      </p:childTnLst>
+                    </p:cTn>
+                  </p:par>
+                  <p:par>
+                    <p:cTn id="7" fill="hold">
+                      <p:stCondLst>
+                        <p:cond delay="indefinite"/>
+                      </p:stCondLst>
+                      <p:childTnLst>
+                        <p:par>
+                          <p:cTn id="8" fill="hold">
+                            <p:stCondLst>
+                              <p:cond delay="0"/>
+                            </p:stCondLst>
+                            <p:childTnLst>
+                              <p:par>
+                                <p:cTn id="9" presetID="1" presetClass="entr" presetSubtype="0" fill="hold" grpId="0" nodeType="clickEffect">
+                                  <p:stCondLst>
+                                    <p:cond delay="0"/>
+                                  </p:stCondLst>
+                                  <p:childTnLst>
+                                    <p:set>
+                                      <p:cBhvr>
+                                        <p:cTn id="10" dur="1" fill="hold">
+                                          <p:stCondLst>
+                                            <p:cond delay="0"/>
+                                          </p:stCondLst>
+                                        </p:cTn>
+                                        <p:tgtEl>
+                                          <p:spTgt spid="3">
+                                            <p:txEl>
+                                              <p:pRg st="1" end="1"/>
+                                            </p:txEl>
+                                          </p:spTgt>
+                                        </p:tgtEl>
+                                        <p:attrNameLst>
+                                          <p:attrName>style.visibility</p:attrName>
+                                        </p:attrNameLst>
+                                      </p:cBhvr>
+                                      <p:to>
+                                        <p:strVal val="visible"/>
+                                      </p:to>
+                                    </p:set>
+                                  </p:childTnLst>
+                                </p:cTn>
+                              </p:par>
+                            </p:childTnLst>
+                          </p:cTn>
+                        </p:par>
+                      </p:childTnLst>
+                    </p:cTn>
+                  </p:par>
+                  <p:par>
+                    <p:cTn id="11" fill="hold">
+                      <p:stCondLst>
+                        <p:cond delay="indefinite"/>
+                      </p:stCondLst>
+                      <p:childTnLst>
+                        <p:par>
+                          <p:cTn id="12" fill="hold">
+                            <p:stCondLst>
+                              <p:cond delay="0"/>
+                            </p:stCondLst>
+                            <p:childTnLst>
+                              <p:par>
+                                <p:cTn id="13" presetID="1" presetClass="entr" presetSubtype="0" fill="hold" grpId="0" nodeType="clickEffect">
+                                  <p:stCondLst>
+                                    <p:cond delay="0"/>
+                                  </p:stCondLst>
+                                  <p:childTnLst>
+                                    <p:set>
+                                      <p:cBhvr>
+                                        <p:cTn id="14" dur="1" fill="hold">
+                                          <p:stCondLst>
+                                            <p:cond delay="0"/>
+                                          </p:stCondLst>
+                                        </p:cTn>
+                                        <p:tgtEl>
+                                          <p:spTgt spid="3">
+                                            <p:txEl>
+                                              <p:pRg st="2" end="2"/>
+                                            </p:txEl>
+                                          </p:spTgt>
+                                        </p:tgtEl>
+                                        <p:attrNameLst>
+                                          <p:attrName>style.visibility</p:attrName>
+                                        </p:attrNameLst>
+                                      </p:cBhvr>
+                                      <p:to>
+                                        <p:strVal val="visible"/>
+                                      </p:to>
+                                    </p:set>
+                                  </p:childTnLst>
+                                </p:cTn>
+                              </p:par>
+                            </p:childTnLst>
+                          </p:cTn>
+                        </p:par>
+                      </p:childTnLst>
+                    </p:cTn>
+                  </p:par>
+                  <p:par>
+                    <p:cTn id="15" fill="hold">
+                      <p:stCondLst>
+                        <p:cond delay="indefinite"/>
+                      </p:stCondLst>
+                      <p:childTnLst>
+                        <p:par>
+                          <p:cTn id="16" fill="hold">
+                            <p:stCondLst>
+                              <p:cond delay="0"/>
+                            </p:stCondLst>
+                            <p:childTnLst>
+                              <p:par>
+                                <p:cTn id="17" presetID="1" presetClass="entr" presetSubtype="0" fill="hold" grpId="0" nodeType="clickEffect">
+                                  <p:stCondLst>
+                                    <p:cond delay="0"/>
+                                  </p:stCondLst>
+                                  <p:childTnLst>
+                                    <p:set>
+                                      <p:cBhvr>
+                                        <p:cTn id="18" dur="1" fill="hold">
+                                          <p:stCondLst>
+                                            <p:cond delay="0"/>
+                                          </p:stCondLst>
+                                        </p:cTn>
+                                        <p:tgtEl>
+                                          <p:spTgt spid="3">
+                                            <p:txEl>
+                                              <p:pRg st="3" end="3"/>
+                                            </p:txEl>
+                                          </p:spTgt>
+                                        </p:tgtEl>
+                                        <p:attrNameLst>
+                                          <p:attrName>style.visibility</p:attrName>
+                                        </p:attrNameLst>
+                                      </p:cBhvr>
+                                      <p:to>
+                                        <p:strVal val="visible"/>
+                                      </p:to>
+                                    </p:set>
+                                  </p:childTnLst>
+                                </p:cTn>
+                              </p:par>
+                              <p:par>
+                                <p:cTn id="19" presetID="1" presetClass="entr" presetSubtype="0" fill="hold" grpId="0" nodeType="withEffect">
+                                  <p:stCondLst>
+                                    <p:cond delay="0"/>
+                                  </p:stCondLst>
+                                  <p:childTnLst>
+                                    <p:set>
+                                      <p:cBhvr>
+                                        <p:cTn id="20" dur="1" fill="hold">
+                                          <p:stCondLst>
+                                            <p:cond delay="0"/>
+                                          </p:stCondLst>
+                                        </p:cTn>
+                                        <p:tgtEl>
+                                          <p:spTgt spid="3">
+                                            <p:txEl>
+                                              <p:pRg st="4" end="4"/>
+                                            </p:txEl>
+                                          </p:spTgt>
+                                        </p:tgtEl>
+                                        <p:attrNameLst>
+                                          <p:attrName>style.visibility</p:attrName>
+                                        </p:attrNameLst>
+                                      </p:cBhvr>
+                                      <p:to>
+                                        <p:strVal val="visible"/>
+                                      </p:to>
+                                    </p:set>
+                                  </p:childTnLst>
+                                </p:cTn>
+                              </p:par>
+                              <p:par>
+                                <p:cTn id="21" presetID="1" presetClass="entr" presetSubtype="0" fill="hold" grpId="0" nodeType="withEffect">
+                                  <p:stCondLst>
+                                    <p:cond delay="0"/>
+                                  </p:stCondLst>
+                                  <p:childTnLst>
+                                    <p:set>
+                                      <p:cBhvr>
+                                        <p:cTn id="22" dur="1" fill="hold">
+                                          <p:stCondLst>
+                                            <p:cond delay="0"/>
+                                          </p:stCondLst>
+                                        </p:cTn>
+                                        <p:tgtEl>
+                                          <p:spTgt spid="3">
+                                            <p:txEl>
+                                              <p:pRg st="5" end="5"/>
+                                            </p:txEl>
+                                          </p:spTgt>
+                                        </p:tgtEl>
+                                        <p:attrNameLst>
+                                          <p:attrName>style.visibility</p:attrName>
+                                        </p:attrNameLst>
+                                      </p:cBhvr>
+                                      <p:to>
+                                        <p:strVal val="visible"/>
+                                      </p:to>
+                                    </p:set>
+                                  </p:childTnLst>
+                                </p:cTn>
+                              </p:par>
+                              <p:par>
+                                <p:cTn id="23" presetID="1" presetClass="entr" presetSubtype="0" fill="hold" grpId="0" nodeType="withEffect">
+                                  <p:stCondLst>
+                                    <p:cond delay="0"/>
+                                  </p:stCondLst>
+                                  <p:childTnLst>
+                                    <p:set>
+                                      <p:cBhvr>
+                                        <p:cTn id="24" dur="1" fill="hold">
+                                          <p:stCondLst>
+                                            <p:cond delay="0"/>
+                                          </p:stCondLst>
+                                        </p:cTn>
+                                        <p:tgtEl>
+                                          <p:spTgt spid="3">
+                                            <p:txEl>
+                                              <p:pRg st="6" end="6"/>
+                                            </p:txEl>
+                                          </p:spTgt>
+                                        </p:tgtEl>
+                                        <p:attrNameLst>
+                                          <p:attrName>style.visibility</p:attrName>
+                                        </p:attrNameLst>
+                                      </p:cBhvr>
+                                      <p:to>
+                                        <p:strVal val="visible"/>
+                                      </p:to>
+                                    </p:set>
+                                  </p:childTnLst>
+                                </p:cTn>
+                              </p:par>
+                              <p:par>
+                                <p:cTn id="25" presetID="1" presetClass="entr" presetSubtype="0" fill="hold" grpId="0" nodeType="withEffect">
+                                  <p:stCondLst>
+                                    <p:cond delay="0"/>
+                                  </p:stCondLst>
+                                  <p:childTnLst>
+                                    <p:set>
+                                      <p:cBhvr>
+                                        <p:cTn id="26" dur="1" fill="hold">
+                                          <p:stCondLst>
+                                            <p:cond delay="0"/>
+                                          </p:stCondLst>
+                                        </p:cTn>
+                                        <p:tgtEl>
+                                          <p:spTgt spid="3">
+                                            <p:txEl>
+                                              <p:pRg st="7" end="7"/>
+                                            </p:txEl>
+                                          </p:spTgt>
+                                        </p:tgtEl>
+                                        <p:attrNameLst>
+                                          <p:attrName>style.visibility</p:attrName>
+                                        </p:attrNameLst>
+                                      </p:cBhvr>
+                                      <p:to>
+                                        <p:strVal val="visible"/>
+                                      </p:to>
+                                    </p:set>
+                                  </p:childTnLst>
+                                </p:cTn>
+                              </p:par>
+                              <p:par>
+                                <p:cTn id="27" presetID="1" presetClass="entr" presetSubtype="0" fill="hold" grpId="0" nodeType="withEffect">
+                                  <p:stCondLst>
+                                    <p:cond delay="0"/>
+                                  </p:stCondLst>
+                                  <p:childTnLst>
+                                    <p:set>
+                                      <p:cBhvr>
+                                        <p:cTn id="28" dur="1" fill="hold">
+                                          <p:stCondLst>
+                                            <p:cond delay="0"/>
+                                          </p:stCondLst>
+                                        </p:cTn>
+                                        <p:tgtEl>
+                                          <p:spTgt spid="3">
+                                            <p:txEl>
+                                              <p:pRg st="8" end="8"/>
+                                            </p:txEl>
+                                          </p:spTgt>
+                                        </p:tgtEl>
+                                        <p:attrNameLst>
+                                          <p:attrName>style.visibility</p:attrName>
+                                        </p:attrNameLst>
+                                      </p:cBhvr>
+                                      <p:to>
+                                        <p:strVal val="visible"/>
+                                      </p:to>
+                                    </p:set>
+                                  </p:childTnLst>
+                                </p:cTn>
+                              </p:par>
+                              <p:par>
+                                <p:cTn id="29" presetID="1" presetClass="entr" presetSubtype="0" fill="hold" grpId="0" nodeType="withEffect">
+                                  <p:stCondLst>
+                                    <p:cond delay="0"/>
+                                  </p:stCondLst>
+                                  <p:childTnLst>
+                                    <p:set>
+                                      <p:cBhvr>
+                                        <p:cTn id="30" dur="1" fill="hold">
+                                          <p:stCondLst>
+                                            <p:cond delay="0"/>
+                                          </p:stCondLst>
+                                        </p:cTn>
+                                        <p:tgtEl>
+                                          <p:spTgt spid="3">
+                                            <p:txEl>
+                                              <p:pRg st="9" end="9"/>
+                                            </p:txEl>
+                                          </p:spTgt>
+                                        </p:tgtEl>
+                                        <p:attrNameLst>
+                                          <p:attrName>style.visibility</p:attrName>
+                                        </p:attrNameLst>
+                                      </p:cBhvr>
+                                      <p:to>
+                                        <p:strVal val="visible"/>
+                                      </p:to>
+                                    </p:set>
+                                  </p:childTnLst>
+                                </p:cTn>
+                              </p:par>
+                              <p:par>
+                                <p:cTn id="31" presetID="1" presetClass="entr" presetSubtype="0" fill="hold" grpId="0" nodeType="withEffect">
+                                  <p:stCondLst>
+                                    <p:cond delay="0"/>
+                                  </p:stCondLst>
+                                  <p:childTnLst>
+                                    <p:set>
+                                      <p:cBhvr>
+                                        <p:cTn id="32" dur="1" fill="hold">
+                                          <p:stCondLst>
+                                            <p:cond delay="0"/>
+                                          </p:stCondLst>
+                                        </p:cTn>
+                                        <p:tgtEl>
+                                          <p:spTgt spid="3">
+                                            <p:txEl>
+                                              <p:pRg st="10" end="10"/>
+                                            </p:txEl>
+                                          </p:spTgt>
+                                        </p:tgtEl>
+                                        <p:attrNameLst>
+                                          <p:attrName>style.visibility</p:attrName>
+                                        </p:attrNameLst>
+                                      </p:cBhvr>
+                                      <p:to>
+                                        <p:strVal val="visible"/>
+                                      </p:to>
+                                    </p:set>
+                                  </p:childTnLst>
+                                </p:cTn>
+                              </p:par>
+                              <p:par>
+                                <p:cTn id="33" presetID="1" presetClass="entr" presetSubtype="0" fill="hold" grpId="0" nodeType="withEffect">
+                                  <p:stCondLst>
+                                    <p:cond delay="0"/>
+                                  </p:stCondLst>
+                                  <p:childTnLst>
+                                    <p:set>
+                                      <p:cBhvr>
+                                        <p:cTn id="34" dur="1" fill="hold">
+                                          <p:stCondLst>
+                                            <p:cond delay="0"/>
+                                          </p:stCondLst>
+                                        </p:cTn>
+                                        <p:tgtEl>
+                                          <p:spTgt spid="3">
+                                            <p:txEl>
+                                              <p:pRg st="11" end="11"/>
+                                            </p:txEl>
+                                          </p:spTgt>
+                                        </p:tgtEl>
+                                        <p:attrNameLst>
+                                          <p:attrName>style.visibility</p:attrName>
+                                        </p:attrNameLst>
+                                      </p:cBhvr>
+                                      <p:to>
+                                        <p:strVal val="visible"/>
+                                      </p:to>
+                                    </p:set>
+                                  </p:childTnLst>
+                                </p:cTn>
+                              </p:par>
+                              <p:par>
+                                <p:cTn id="35" presetID="1" presetClass="entr" presetSubtype="0" fill="hold" grpId="0" nodeType="withEffect">
+                                  <p:stCondLst>
+                                    <p:cond delay="0"/>
+                                  </p:stCondLst>
+                                  <p:childTnLst>
+                                    <p:set>
+                                      <p:cBhvr>
+                                        <p:cTn id="36" dur="1" fill="hold">
+                                          <p:stCondLst>
+                                            <p:cond delay="0"/>
+                                          </p:stCondLst>
+                                        </p:cTn>
+                                        <p:tgtEl>
+                                          <p:spTgt spid="3">
+                                            <p:txEl>
+                                              <p:pRg st="12" end="12"/>
+                                            </p:txEl>
+                                          </p:spTgt>
+                                        </p:tgtEl>
+                                        <p:attrNameLst>
+                                          <p:attrName>style.visibility</p:attrName>
+                                        </p:attrNameLst>
+                                      </p:cBhvr>
+                                      <p:to>
+                                        <p:strVal val="visible"/>
+                                      </p:to>
+                                    </p:set>
+                                  </p:childTnLst>
+                                </p:cTn>
+                              </p:par>
+                              <p:par>
+                                <p:cTn id="37" presetID="1" presetClass="entr" presetSubtype="0" fill="hold" grpId="0" nodeType="withEffect">
+                                  <p:stCondLst>
+                                    <p:cond delay="0"/>
+                                  </p:stCondLst>
+                                  <p:childTnLst>
+                                    <p:set>
+                                      <p:cBhvr>
+                                        <p:cTn id="38" dur="1" fill="hold">
+                                          <p:stCondLst>
+                                            <p:cond delay="0"/>
+                                          </p:stCondLst>
+                                        </p:cTn>
+                                        <p:tgtEl>
+                                          <p:spTgt spid="3">
+                                            <p:txEl>
+                                              <p:pRg st="13" end="13"/>
+                                            </p:txEl>
+                                          </p:spTgt>
+                                        </p:tgtEl>
+                                        <p:attrNameLst>
+                                          <p:attrName>style.visibility</p:attrName>
+                                        </p:attrNameLst>
+                                      </p:cBhvr>
+                                      <p:to>
+                                        <p:strVal val="visible"/>
+                                      </p:to>
+                                    </p:set>
+                                  </p:childTnLst>
+                                </p:cTn>
+                              </p:par>
+                              <p:par>
+                                <p:cTn id="39" presetID="1" presetClass="entr" presetSubtype="0" fill="hold" grpId="0" nodeType="withEffect">
+                                  <p:stCondLst>
+                                    <p:cond delay="0"/>
+                                  </p:stCondLst>
+                                  <p:childTnLst>
+                                    <p:set>
+                                      <p:cBhvr>
+                                        <p:cTn id="40" dur="1" fill="hold">
+                                          <p:stCondLst>
+                                            <p:cond delay="0"/>
+                                          </p:stCondLst>
+                                        </p:cTn>
+                                        <p:tgtEl>
+                                          <p:spTgt spid="3">
+                                            <p:txEl>
+                                              <p:pRg st="14" end="14"/>
+                                            </p:txEl>
+                                          </p:spTgt>
+                                        </p:tgtEl>
+                                        <p:attrNameLst>
+                                          <p:attrName>style.visibility</p:attrName>
+                                        </p:attrNameLst>
+                                      </p:cBhvr>
+                                      <p:to>
+                                        <p:strVal val="visible"/>
+                                      </p:to>
+                                    </p:set>
+                                  </p:childTnLst>
+                                </p:cTn>
+                              </p:par>
+                              <p:par>
+                                <p:cTn id="41" presetID="1" presetClass="entr" presetSubtype="0" fill="hold" grpId="0" nodeType="withEffect">
+                                  <p:stCondLst>
+                                    <p:cond delay="0"/>
+                                  </p:stCondLst>
+                                  <p:childTnLst>
+                                    <p:set>
+                                      <p:cBhvr>
+                                        <p:cTn id="42" dur="1" fill="hold">
+                                          <p:stCondLst>
+                                            <p:cond delay="0"/>
+                                          </p:stCondLst>
+                                        </p:cTn>
+                                        <p:tgtEl>
+                                          <p:spTgt spid="3">
+                                            <p:txEl>
+                                              <p:pRg st="15" end="15"/>
+                                            </p:txEl>
+                                          </p:spTgt>
+                                        </p:tgtEl>
+                                        <p:attrNameLst>
+                                          <p:attrName>style.visibility</p:attrName>
+                                        </p:attrNameLst>
+                                      </p:cBhvr>
+                                      <p:to>
+                                        <p:strVal val="visible"/>
+                                      </p:to>
+                                    </p:set>
+                                  </p:childTnLst>
+                                </p:cTn>
+                              </p:par>
+                            </p:childTnLst>
+                          </p:cTn>
+                        </p:par>
+                      </p:childTnLst>
+                    </p:cTn>
+                  </p:par>
+                  <p:par>
+                    <p:cTn id="43" fill="hold">
+                      <p:stCondLst>
+                        <p:cond delay="indefinite"/>
+                      </p:stCondLst>
+                      <p:childTnLst>
+                        <p:par>
+                          <p:cTn id="44" fill="hold">
+                            <p:stCondLst>
+                              <p:cond delay="0"/>
+                            </p:stCondLst>
+                            <p:childTnLst>
+                              <p:par>
+                                <p:cTn id="45" presetID="1" presetClass="entr" presetSubtype="0" fill="hold" grpId="0" nodeType="clickEffect">
+                                  <p:stCondLst>
+                                    <p:cond delay="0"/>
+                                  </p:stCondLst>
+                                  <p:childTnLst>
+                                    <p:set>
+                                      <p:cBhvr>
+                                        <p:cTn id="46" dur="1" fill="hold">
+                                          <p:stCondLst>
+                                            <p:cond delay="0"/>
+                                          </p:stCondLst>
+                                        </p:cTn>
+                                        <p:tgtEl>
+                                          <p:spTgt spid="3">
+                                            <p:txEl>
+                                              <p:pRg st="16" end="16"/>
+                                            </p:txEl>
+                                          </p:spTgt>
+                                        </p:tgtEl>
+                                        <p:attrNameLst>
+                                          <p:attrName>style.visibility</p:attrName>
+                                        </p:attrNameLst>
+                                      </p:cBhvr>
+                                      <p:to>
+                                        <p:strVal val="visible"/>
+                                      </p:to>
+                                    </p:set>
+                                  </p:childTnLst>
+                                </p:cTn>
+                              </p:par>
+                            </p:childTnLst>
+                          </p:cTn>
+                        </p:par>
+                      </p:childTnLst>
+                    </p:cTn>
+                  </p:par>
+                </p:childTnLst>
+              </p:cTn>
+              <p:prevCondLst>
+                <p:cond evt="onPrev" delay="0">
+                  <p:tgtEl>
+                    <p:sldTgt/>
+                  </p:tgtEl>
+                </p:cond>
+              </p:prevCondLst>
+              <p:nextCondLst>
+                <p:cond evt="onNext" delay="0">
+                  <p:tgtEl>
+                    <p:sldTgt/>
+                  </p:tgtEl>
+                </p:cond>
+              </p:nextCondLst>
+            </p:seq>
+          </p:childTnLst>
+        </p:cTn>
+      </p:par>
+    </p:tnLst>
+    <p:bldLst>
+      <p:bldP spid="3" grpId="0" build="p"/>
+    </p:bldLst>
+  </p:timing>
+</p:sld>
+</file>
+
+<file path=ppt/slides/slide3.xml><?xml version="1.0" encoding="utf-8"?>
+<p:sld xmlns:a="http://schemas.openxmlformats.org/drawingml/2006/main" xmlns:r="http://schemas.openxmlformats.org/officeDocument/2006/relationships" xmlns:p="http://schemas.openxmlformats.org/presentationml/2006/main">
+  <p:cSld>
+    <p:bg>
+      <p:bgPr>
+        <a:solidFill>
+          <a:schemeClr val="tx1"/>
+        </a:solidFill>
+        <a:effectLst/>
+      </p:bgPr>
+    </p:bg>
+    <p:spTree>
+      <p:nvGrpSpPr>
+        <p:cNvPr id="1" name=""/>
+        <p:cNvGrpSpPr/>
+        <p:nvPr/>
+      </p:nvGrpSpPr>
+      <p:grpSpPr>
+        <a:xfrm>
+          <a:off x="0" y="0"/>
+          <a:ext cx="0" cy="0"/>
+          <a:chOff x="0" y="0"/>
+          <a:chExt cx="0" cy="0"/>
+        </a:xfrm>
+      </p:grpSpPr>
+      <p:sp>
+        <p:nvSpPr>
+          <p:cNvPr id="2" name="Title 1">
+            <a:extLst>
+              <a:ext uri="{FF2B5EF4-FFF2-40B4-BE49-F238E27FC236}">
+                <a16:creationId xmlns:a16="http://schemas.microsoft.com/office/drawing/2014/main" id="{15F48264-803F-FF7E-72B2-3120A309D295}"/>
+              </a:ext>
+            </a:extLst>
+          </p:cNvPr>
+          <p:cNvSpPr>
+            <a:spLocks noGrp="1"/>
+          </p:cNvSpPr>
+          <p:nvPr>
+            <p:ph type="title"/>
+          </p:nvPr>
+        </p:nvSpPr>
+        <p:spPr/>
+        <p:txBody>
+          <a:bodyPr/>
+          <a:lstStyle/>
+          <a:p>
+            <a:endParaRPr lang="en-US"/>
+          </a:p>
+        </p:txBody>
+      </p:sp>
+      <p:sp>
+        <p:nvSpPr>
+          <p:cNvPr id="3" name="Content Placeholder 2">
+            <a:extLst>
+              <a:ext uri="{FF2B5EF4-FFF2-40B4-BE49-F238E27FC236}">
+                <a16:creationId xmlns:a16="http://schemas.microsoft.com/office/drawing/2014/main" id="{D5956D71-E050-33C9-9849-2C13F2CA097F}"/>
+              </a:ext>
+            </a:extLst>
+          </p:cNvPr>
+          <p:cNvSpPr>
+            <a:spLocks noGrp="1"/>
+          </p:cNvSpPr>
+          <p:nvPr>
+            <p:ph idx="1"/>
+          </p:nvPr>
+        </p:nvSpPr>
+        <p:spPr/>
+        <p:txBody>
+          <a:bodyPr/>
+          <a:lstStyle/>
+          <a:p>
+            <a:endParaRPr lang="en-US"/>
+          </a:p>
+        </p:txBody>
+      </p:sp>
+    </p:spTree>
+    <p:extLst>
+      <p:ext uri="{BB962C8B-B14F-4D97-AF65-F5344CB8AC3E}">
+        <p14:creationId xmlns:p14="http://schemas.microsoft.com/office/powerpoint/2010/main" val="2813870443"/>
       </p:ext>
     </p:extLst>
   </p:cSld>
